--- a/AI Algorithm/Project/Delivery & Acceptance/Presentation.pptx
+++ b/AI Algorithm/Project/Delivery & Acceptance/Presentation.pptx
@@ -3392,7 +3392,7 @@
           <p:cNvPr id="4" name="TextBox 3">
             <a:extLst>
               <a:ext uri="{FF2B5EF4-FFF2-40B4-BE49-F238E27FC236}">
-                <a16:creationId xmlns:a16="http://schemas.microsoft.com/office/drawing/2014/main" id="{292D63A0-097C-4049-B972-B18BE361E178}"/>
+                <a16:creationId xmlns:a16="http://schemas.microsoft.com/office/drawing/2014/main" xmlns="" id="{292D63A0-097C-4049-B972-B18BE361E178}"/>
               </a:ext>
             </a:extLst>
           </p:cNvPr>
@@ -3422,9 +3422,27 @@
               <a:rPr lang="en-US" sz="2000" dirty="0">
                 <a:latin typeface="Times New Roman"/>
               </a:rPr>
-              <a:t>In recent years, air pollution has become a global concern, Especially in some large cities with large populations like Beijing, London, Mumbai. It refers to the release of pollutants into the air that are detrimental to human health and the plant as a whole. Car emissions, chemicals from factories, dust, and pollen and mold spores may be suspended as particles. Among all those gauges of air pollution, PM2.5 concentration is no doubt the most famous and effective. </a:t>
-            </a:r>
-            <a:endParaRPr lang="en-US" sz="2000">
+              <a:t>In recent years, air pollution has become a global concern, </a:t>
+            </a:r>
+            <a:r>
+              <a:rPr lang="en-US" sz="2000" dirty="0" err="1" smtClean="0">
+                <a:latin typeface="Times New Roman"/>
+              </a:rPr>
+              <a:t>Expecially</a:t>
+            </a:r>
+            <a:r>
+              <a:rPr lang="en-US" sz="2000" dirty="0" smtClean="0">
+                <a:latin typeface="Times New Roman"/>
+              </a:rPr>
+              <a:t> </a:t>
+            </a:r>
+            <a:r>
+              <a:rPr lang="en-US" sz="2000" dirty="0">
+                <a:latin typeface="Times New Roman"/>
+              </a:rPr>
+              <a:t>in some large cities with large populations like Beijing, London, Mumbai. It refers to the release of pollutants into the air that are detrimental to human health and the plant as a whole. Car emissions, chemicals from factories, dust, and pollen and mold spores may be suspended as particles. Among all those gauges of air pollution, PM2.5 concentration is no doubt the most famous and effective. </a:t>
+            </a:r>
+            <a:endParaRPr lang="en-US" sz="2000" dirty="0">
               <a:latin typeface="Times New Roman"/>
               <a:cs typeface="Times New Roman"/>
             </a:endParaRPr>
@@ -3436,7 +3454,7 @@
           <p:cNvPr id="5" name="TextBox 4">
             <a:extLst>
               <a:ext uri="{FF2B5EF4-FFF2-40B4-BE49-F238E27FC236}">
-                <a16:creationId xmlns:a16="http://schemas.microsoft.com/office/drawing/2014/main" id="{985F436A-8BDA-46D3-8C6A-8DC55D31A2EB}"/>
+                <a16:creationId xmlns:a16="http://schemas.microsoft.com/office/drawing/2014/main" xmlns="" id="{985F436A-8BDA-46D3-8C6A-8DC55D31A2EB}"/>
               </a:ext>
             </a:extLst>
           </p:cNvPr>
@@ -3477,7 +3495,7 @@
           <p:cNvPr id="6" name="Picture 6" descr="A sign in front of a large city&#10;&#10;Description automatically generated">
             <a:extLst>
               <a:ext uri="{FF2B5EF4-FFF2-40B4-BE49-F238E27FC236}">
-                <a16:creationId xmlns:a16="http://schemas.microsoft.com/office/drawing/2014/main" id="{E4BA569C-212D-492C-A76A-97D0B6CE59F7}"/>
+                <a16:creationId xmlns:a16="http://schemas.microsoft.com/office/drawing/2014/main" xmlns="" id="{E4BA569C-212D-492C-A76A-97D0B6CE59F7}"/>
               </a:ext>
             </a:extLst>
           </p:cNvPr>
@@ -3507,7 +3525,7 @@
           <p:cNvPr id="7" name="TextBox 6">
             <a:extLst>
               <a:ext uri="{FF2B5EF4-FFF2-40B4-BE49-F238E27FC236}">
-                <a16:creationId xmlns:a16="http://schemas.microsoft.com/office/drawing/2014/main" id="{60F065DB-AA91-406D-B6B9-7B14CC65E345}"/>
+                <a16:creationId xmlns:a16="http://schemas.microsoft.com/office/drawing/2014/main" xmlns="" id="{60F065DB-AA91-406D-B6B9-7B14CC65E345}"/>
               </a:ext>
             </a:extLst>
           </p:cNvPr>
@@ -3544,9 +3562,23 @@
                 <a:latin typeface="Times New Roman"/>
                 <a:ea typeface="SimSun"/>
               </a:rPr>
-              <a:t>In this project, we use data set from UCI Repository (with time series data from 2010 to 2014) to explore the factors influencing PM2.5 in Beijing, perform machine learning algorithm to predict the PM2.5 values. Suggestion on how to improve air quality in Beijing will be given at the end.</a:t>
-            </a:r>
-            <a:endParaRPr lang="en-US" sz="2000">
+              <a:t>In this project, we use </a:t>
+            </a:r>
+            <a:r>
+              <a:rPr lang="en-US" sz="2000" dirty="0" smtClean="0">
+                <a:latin typeface="Times New Roman"/>
+                <a:ea typeface="SimSun"/>
+              </a:rPr>
+              <a:t>a dataset </a:t>
+            </a:r>
+            <a:r>
+              <a:rPr lang="en-US" sz="2000" dirty="0">
+                <a:latin typeface="Times New Roman"/>
+                <a:ea typeface="SimSun"/>
+              </a:rPr>
+              <a:t>from UCI Repository (with time series data from 2010 to 2014) to explore the factors influencing PM2.5 in Beijing, perform machine learning algorithm to predict the PM2.5 values. Suggestion on how to improve air quality in Beijing will be given at the end.</a:t>
+            </a:r>
+            <a:endParaRPr lang="en-US" sz="2000" dirty="0">
               <a:latin typeface="Times New Roman"/>
               <a:ea typeface="SimSun"/>
               <a:cs typeface="Times New Roman"/>
@@ -3559,7 +3591,7 @@
           <p:cNvPr id="8" name="TextBox 7">
             <a:extLst>
               <a:ext uri="{FF2B5EF4-FFF2-40B4-BE49-F238E27FC236}">
-                <a16:creationId xmlns:a16="http://schemas.microsoft.com/office/drawing/2014/main" id="{513B5A7B-9D81-455C-9B79-62D15A3CFA36}"/>
+                <a16:creationId xmlns:a16="http://schemas.microsoft.com/office/drawing/2014/main" xmlns="" id="{513B5A7B-9D81-455C-9B79-62D15A3CFA36}"/>
               </a:ext>
             </a:extLst>
           </p:cNvPr>
@@ -3600,7 +3632,7 @@
           <p:cNvPr id="9" name="TextBox 8">
             <a:extLst>
               <a:ext uri="{FF2B5EF4-FFF2-40B4-BE49-F238E27FC236}">
-                <a16:creationId xmlns:a16="http://schemas.microsoft.com/office/drawing/2014/main" id="{0F4FBF5A-8BE4-4A75-860B-776FDC6D7F0D}"/>
+                <a16:creationId xmlns:a16="http://schemas.microsoft.com/office/drawing/2014/main" xmlns="" id="{0F4FBF5A-8BE4-4A75-860B-776FDC6D7F0D}"/>
               </a:ext>
             </a:extLst>
           </p:cNvPr>
@@ -3647,7 +3679,7 @@
           <p:cNvPr id="10" name="TextBox 9">
             <a:extLst>
               <a:ext uri="{FF2B5EF4-FFF2-40B4-BE49-F238E27FC236}">
-                <a16:creationId xmlns:a16="http://schemas.microsoft.com/office/drawing/2014/main" id="{DAB38423-A296-41E6-A5EB-3240D513AEC3}"/>
+                <a16:creationId xmlns:a16="http://schemas.microsoft.com/office/drawing/2014/main" xmlns="" id="{DAB38423-A296-41E6-A5EB-3240D513AEC3}"/>
               </a:ext>
             </a:extLst>
           </p:cNvPr>
@@ -3729,10 +3761,10 @@
           <p:cNvPr id="14" name="Rectangle 13">
             <a:extLst>
               <a:ext uri="{FF2B5EF4-FFF2-40B4-BE49-F238E27FC236}">
-                <a16:creationId xmlns:a16="http://schemas.microsoft.com/office/drawing/2014/main" id="{95724071-AC7B-4A67-934B-CD7F90745802}"/>
+                <a16:creationId xmlns:a16="http://schemas.microsoft.com/office/drawing/2014/main" xmlns="" id="{95724071-AC7B-4A67-934B-CD7F90745802}"/>
               </a:ext>
               <a:ext uri="{C183D7F6-B498-43B3-948B-1728B52AA6E4}">
-                <adec:decorative xmlns:adec="http://schemas.microsoft.com/office/drawing/2017/decorative" val="1"/>
+                <adec:decorative xmlns:adec="http://schemas.microsoft.com/office/drawing/2017/decorative" xmlns="" val="1"/>
               </a:ext>
             </a:extLst>
           </p:cNvPr>
@@ -3742,7 +3774,7 @@
           <p:nvPr>
             <p:extLst>
               <p:ext uri="{386F3935-93C4-4BCD-93E2-E3B085C9AB24}">
-                <p16:designElem xmlns:p16="http://schemas.microsoft.com/office/powerpoint/2015/main" val="1"/>
+                <p16:designElem xmlns:p16="http://schemas.microsoft.com/office/powerpoint/2015/main" xmlns="" val="1"/>
               </p:ext>
             </p:extLst>
           </p:nvPr>
@@ -3795,7 +3827,7 @@
           <p:cNvPr id="4" name="Picture 4" descr="Chart, line chart&#10;&#10;Description automatically generated">
             <a:extLst>
               <a:ext uri="{FF2B5EF4-FFF2-40B4-BE49-F238E27FC236}">
-                <a16:creationId xmlns:a16="http://schemas.microsoft.com/office/drawing/2014/main" id="{F04773EE-9F73-48E1-95F0-F7EB4DE95617}"/>
+                <a16:creationId xmlns:a16="http://schemas.microsoft.com/office/drawing/2014/main" xmlns="" id="{F04773EE-9F73-48E1-95F0-F7EB4DE95617}"/>
               </a:ext>
             </a:extLst>
           </p:cNvPr>
@@ -3825,7 +3857,7 @@
           <p:cNvPr id="7" name="Picture 7" descr="Chart, scatter chart&#10;&#10;Description automatically generated">
             <a:extLst>
               <a:ext uri="{FF2B5EF4-FFF2-40B4-BE49-F238E27FC236}">
-                <a16:creationId xmlns:a16="http://schemas.microsoft.com/office/drawing/2014/main" id="{223A8AFC-32A7-4E0F-83A2-03CFDA3D5E4F}"/>
+                <a16:creationId xmlns:a16="http://schemas.microsoft.com/office/drawing/2014/main" xmlns="" id="{223A8AFC-32A7-4E0F-83A2-03CFDA3D5E4F}"/>
               </a:ext>
             </a:extLst>
           </p:cNvPr>
@@ -3855,7 +3887,7 @@
           <p:cNvPr id="5" name="Picture 5" descr="Chart, scatter chart&#10;&#10;Description automatically generated">
             <a:extLst>
               <a:ext uri="{FF2B5EF4-FFF2-40B4-BE49-F238E27FC236}">
-                <a16:creationId xmlns:a16="http://schemas.microsoft.com/office/drawing/2014/main" id="{9F27BCF7-4C35-4C4A-A880-7FA2C9FA5A82}"/>
+                <a16:creationId xmlns:a16="http://schemas.microsoft.com/office/drawing/2014/main" xmlns="" id="{9F27BCF7-4C35-4C4A-A880-7FA2C9FA5A82}"/>
               </a:ext>
             </a:extLst>
           </p:cNvPr>
@@ -3885,7 +3917,7 @@
           <p:cNvPr id="9" name="Picture 9" descr="Chart, scatter chart&#10;&#10;Description automatically generated">
             <a:extLst>
               <a:ext uri="{FF2B5EF4-FFF2-40B4-BE49-F238E27FC236}">
-                <a16:creationId xmlns:a16="http://schemas.microsoft.com/office/drawing/2014/main" id="{168C8799-17B8-4224-88B1-23880BAE9AC9}"/>
+                <a16:creationId xmlns:a16="http://schemas.microsoft.com/office/drawing/2014/main" xmlns="" id="{168C8799-17B8-4224-88B1-23880BAE9AC9}"/>
               </a:ext>
             </a:extLst>
           </p:cNvPr>
@@ -3915,7 +3947,7 @@
           <p:cNvPr id="8" name="Picture 8" descr="Chart, histogram&#10;&#10;Description automatically generated">
             <a:extLst>
               <a:ext uri="{FF2B5EF4-FFF2-40B4-BE49-F238E27FC236}">
-                <a16:creationId xmlns:a16="http://schemas.microsoft.com/office/drawing/2014/main" id="{7F63763D-4A04-4F03-A6DA-18AF6BDC9F05}"/>
+                <a16:creationId xmlns:a16="http://schemas.microsoft.com/office/drawing/2014/main" xmlns="" id="{7F63763D-4A04-4F03-A6DA-18AF6BDC9F05}"/>
               </a:ext>
             </a:extLst>
           </p:cNvPr>
@@ -3945,7 +3977,7 @@
           <p:cNvPr id="6" name="Picture 6" descr="Chart, scatter chart&#10;&#10;Description automatically generated">
             <a:extLst>
               <a:ext uri="{FF2B5EF4-FFF2-40B4-BE49-F238E27FC236}">
-                <a16:creationId xmlns:a16="http://schemas.microsoft.com/office/drawing/2014/main" id="{B9E19C03-1DDC-47C6-8B85-4552A345CBD8}"/>
+                <a16:creationId xmlns:a16="http://schemas.microsoft.com/office/drawing/2014/main" xmlns="" id="{B9E19C03-1DDC-47C6-8B85-4552A345CBD8}"/>
               </a:ext>
             </a:extLst>
           </p:cNvPr>
@@ -3975,7 +4007,7 @@
           <p:cNvPr id="2" name="Title 1">
             <a:extLst>
               <a:ext uri="{FF2B5EF4-FFF2-40B4-BE49-F238E27FC236}">
-                <a16:creationId xmlns:a16="http://schemas.microsoft.com/office/drawing/2014/main" id="{B44FCC95-CED4-4393-A65F-85505EF398B0}"/>
+                <a16:creationId xmlns:a16="http://schemas.microsoft.com/office/drawing/2014/main" xmlns="" id="{B44FCC95-CED4-4393-A65F-85505EF398B0}"/>
               </a:ext>
             </a:extLst>
           </p:cNvPr>
@@ -4058,7 +4090,7 @@
           <p:cNvPr id="2" name="Title 1">
             <a:extLst>
               <a:ext uri="{FF2B5EF4-FFF2-40B4-BE49-F238E27FC236}">
-                <a16:creationId xmlns:a16="http://schemas.microsoft.com/office/drawing/2014/main" id="{EE231AC5-5D8D-4520-BD35-C79BDF2F5D3E}"/>
+                <a16:creationId xmlns:a16="http://schemas.microsoft.com/office/drawing/2014/main" xmlns="" id="{EE231AC5-5D8D-4520-BD35-C79BDF2F5D3E}"/>
               </a:ext>
             </a:extLst>
           </p:cNvPr>
@@ -4094,10 +4126,10 @@
           <p:cNvPr id="10" name="Rectangle 9">
             <a:extLst>
               <a:ext uri="{FF2B5EF4-FFF2-40B4-BE49-F238E27FC236}">
-                <a16:creationId xmlns:a16="http://schemas.microsoft.com/office/drawing/2014/main" id="{70BDD0CE-06A4-404B-8A13-580229C1C923}"/>
+                <a16:creationId xmlns:a16="http://schemas.microsoft.com/office/drawing/2014/main" xmlns="" id="{70BDD0CE-06A4-404B-8A13-580229C1C923}"/>
               </a:ext>
               <a:ext uri="{C183D7F6-B498-43B3-948B-1728B52AA6E4}">
-                <adec:decorative xmlns:adec="http://schemas.microsoft.com/office/drawing/2017/decorative" val="1"/>
+                <adec:decorative xmlns:adec="http://schemas.microsoft.com/office/drawing/2017/decorative" xmlns="" val="1"/>
               </a:ext>
             </a:extLst>
           </p:cNvPr>
@@ -4107,7 +4139,7 @@
           <p:nvPr>
             <p:extLst>
               <p:ext uri="{386F3935-93C4-4BCD-93E2-E3B085C9AB24}">
-                <p16:designElem xmlns:p16="http://schemas.microsoft.com/office/powerpoint/2015/main" val="1"/>
+                <p16:designElem xmlns:p16="http://schemas.microsoft.com/office/powerpoint/2015/main" xmlns="" val="1"/>
               </p:ext>
             </p:extLst>
           </p:nvPr>
@@ -4157,10 +4189,10 @@
           <p:cNvPr id="12" name="Rounded Rectangle 26">
             <a:extLst>
               <a:ext uri="{FF2B5EF4-FFF2-40B4-BE49-F238E27FC236}">
-                <a16:creationId xmlns:a16="http://schemas.microsoft.com/office/drawing/2014/main" id="{EE9899FA-8881-472C-AA59-D08A89CA8AEF}"/>
+                <a16:creationId xmlns:a16="http://schemas.microsoft.com/office/drawing/2014/main" xmlns="" id="{EE9899FA-8881-472C-AA59-D08A89CA8AEF}"/>
               </a:ext>
               <a:ext uri="{C183D7F6-B498-43B3-948B-1728B52AA6E4}">
-                <adec:decorative xmlns:adec="http://schemas.microsoft.com/office/drawing/2017/decorative" val="1"/>
+                <adec:decorative xmlns:adec="http://schemas.microsoft.com/office/drawing/2017/decorative" xmlns="" val="1"/>
               </a:ext>
             </a:extLst>
           </p:cNvPr>
@@ -4170,7 +4202,7 @@
           <p:nvPr>
             <p:extLst>
               <p:ext uri="{386F3935-93C4-4BCD-93E2-E3B085C9AB24}">
-                <p16:designElem xmlns:p16="http://schemas.microsoft.com/office/powerpoint/2015/main" val="1"/>
+                <p16:designElem xmlns:p16="http://schemas.microsoft.com/office/powerpoint/2015/main" xmlns="" val="1"/>
               </p:ext>
             </p:extLst>
           </p:nvPr>
@@ -4231,7 +4263,7 @@
           <p:cNvPr id="4" name="Picture 4" descr="Text&#10;&#10;Description automatically generated">
             <a:extLst>
               <a:ext uri="{FF2B5EF4-FFF2-40B4-BE49-F238E27FC236}">
-                <a16:creationId xmlns:a16="http://schemas.microsoft.com/office/drawing/2014/main" id="{EB11CA15-894C-4596-B265-CA0595372028}"/>
+                <a16:creationId xmlns:a16="http://schemas.microsoft.com/office/drawing/2014/main" xmlns="" id="{EB11CA15-894C-4596-B265-CA0595372028}"/>
               </a:ext>
             </a:extLst>
           </p:cNvPr>
@@ -4261,10 +4293,10 @@
           <p:cNvPr id="14" name="Rounded Rectangle 16">
             <a:extLst>
               <a:ext uri="{FF2B5EF4-FFF2-40B4-BE49-F238E27FC236}">
-                <a16:creationId xmlns:a16="http://schemas.microsoft.com/office/drawing/2014/main" id="{080B7D90-3DF1-4514-B26D-616BE35553C9}"/>
+                <a16:creationId xmlns:a16="http://schemas.microsoft.com/office/drawing/2014/main" xmlns="" id="{080B7D90-3DF1-4514-B26D-616BE35553C9}"/>
               </a:ext>
               <a:ext uri="{C183D7F6-B498-43B3-948B-1728B52AA6E4}">
-                <adec:decorative xmlns:adec="http://schemas.microsoft.com/office/drawing/2017/decorative" val="1"/>
+                <adec:decorative xmlns:adec="http://schemas.microsoft.com/office/drawing/2017/decorative" xmlns="" val="1"/>
               </a:ext>
             </a:extLst>
           </p:cNvPr>
@@ -4274,7 +4306,7 @@
           <p:nvPr>
             <p:extLst>
               <p:ext uri="{386F3935-93C4-4BCD-93E2-E3B085C9AB24}">
-                <p16:designElem xmlns:p16="http://schemas.microsoft.com/office/powerpoint/2015/main" val="1"/>
+                <p16:designElem xmlns:p16="http://schemas.microsoft.com/office/powerpoint/2015/main" xmlns="" val="1"/>
               </p:ext>
             </p:extLst>
           </p:nvPr>
@@ -4335,7 +4367,7 @@
           <p:cNvPr id="5" name="Picture 5" descr="Graphical user interface, text, application, email&#10;&#10;Description automatically generated">
             <a:extLst>
               <a:ext uri="{FF2B5EF4-FFF2-40B4-BE49-F238E27FC236}">
-                <a16:creationId xmlns:a16="http://schemas.microsoft.com/office/drawing/2014/main" id="{AF440A6F-4770-436D-9E31-7E97E86A9F0D}"/>
+                <a16:creationId xmlns:a16="http://schemas.microsoft.com/office/drawing/2014/main" xmlns="" id="{AF440A6F-4770-436D-9E31-7E97E86A9F0D}"/>
               </a:ext>
             </a:extLst>
           </p:cNvPr>
@@ -4365,7 +4397,7 @@
           <p:cNvPr id="6" name="Picture 6" descr="Graphical user interface, text, application, email&#10;&#10;Description automatically generated">
             <a:extLst>
               <a:ext uri="{FF2B5EF4-FFF2-40B4-BE49-F238E27FC236}">
-                <a16:creationId xmlns:a16="http://schemas.microsoft.com/office/drawing/2014/main" id="{1E993FD2-E833-4C49-81D2-13D1312CD8E5}"/>
+                <a16:creationId xmlns:a16="http://schemas.microsoft.com/office/drawing/2014/main" xmlns="" id="{1E993FD2-E833-4C49-81D2-13D1312CD8E5}"/>
               </a:ext>
             </a:extLst>
           </p:cNvPr>
@@ -4395,7 +4427,7 @@
           <p:cNvPr id="7" name="TextBox 6">
             <a:extLst>
               <a:ext uri="{FF2B5EF4-FFF2-40B4-BE49-F238E27FC236}">
-                <a16:creationId xmlns:a16="http://schemas.microsoft.com/office/drawing/2014/main" id="{2BE00486-7181-4E7A-9DF8-D482765E8918}"/>
+                <a16:creationId xmlns:a16="http://schemas.microsoft.com/office/drawing/2014/main" xmlns="" id="{2BE00486-7181-4E7A-9DF8-D482765E8918}"/>
               </a:ext>
             </a:extLst>
           </p:cNvPr>
@@ -4436,7 +4468,7 @@
           <p:cNvPr id="8" name="TextBox 7">
             <a:extLst>
               <a:ext uri="{FF2B5EF4-FFF2-40B4-BE49-F238E27FC236}">
-                <a16:creationId xmlns:a16="http://schemas.microsoft.com/office/drawing/2014/main" id="{743B5956-1C82-4F3B-BBCA-20F70B4E1A66}"/>
+                <a16:creationId xmlns:a16="http://schemas.microsoft.com/office/drawing/2014/main" xmlns="" id="{743B5956-1C82-4F3B-BBCA-20F70B4E1A66}"/>
               </a:ext>
             </a:extLst>
           </p:cNvPr>
@@ -4523,7 +4555,7 @@
           <p:cNvPr id="2" name="Title 1">
             <a:extLst>
               <a:ext uri="{FF2B5EF4-FFF2-40B4-BE49-F238E27FC236}">
-                <a16:creationId xmlns:a16="http://schemas.microsoft.com/office/drawing/2014/main" id="{FCB55422-653B-4DA0-A6B2-6B24FECAC931}"/>
+                <a16:creationId xmlns:a16="http://schemas.microsoft.com/office/drawing/2014/main" xmlns="" id="{FCB55422-653B-4DA0-A6B2-6B24FECAC931}"/>
               </a:ext>
             </a:extLst>
           </p:cNvPr>
@@ -4562,10 +4594,10 @@
           <p:cNvPr id="9" name="Rectangle 8">
             <a:extLst>
               <a:ext uri="{FF2B5EF4-FFF2-40B4-BE49-F238E27FC236}">
-                <a16:creationId xmlns:a16="http://schemas.microsoft.com/office/drawing/2014/main" id="{71FC7D98-7B8B-402A-90FC-F027482F2142}"/>
+                <a16:creationId xmlns:a16="http://schemas.microsoft.com/office/drawing/2014/main" xmlns="" id="{71FC7D98-7B8B-402A-90FC-F027482F2142}"/>
               </a:ext>
               <a:ext uri="{C183D7F6-B498-43B3-948B-1728B52AA6E4}">
-                <adec:decorative xmlns:adec="http://schemas.microsoft.com/office/drawing/2017/decorative" val="1"/>
+                <adec:decorative xmlns:adec="http://schemas.microsoft.com/office/drawing/2017/decorative" xmlns="" val="1"/>
               </a:ext>
             </a:extLst>
           </p:cNvPr>
@@ -4575,7 +4607,7 @@
           <p:nvPr>
             <p:extLst>
               <p:ext uri="{386F3935-93C4-4BCD-93E2-E3B085C9AB24}">
-                <p16:designElem xmlns:p16="http://schemas.microsoft.com/office/powerpoint/2015/main" val="1"/>
+                <p16:designElem xmlns:p16="http://schemas.microsoft.com/office/powerpoint/2015/main" xmlns="" val="1"/>
               </p:ext>
             </p:extLst>
           </p:nvPr>
@@ -4625,10 +4657,10 @@
           <p:cNvPr id="11" name="Rounded Rectangle 28">
             <a:extLst>
               <a:ext uri="{FF2B5EF4-FFF2-40B4-BE49-F238E27FC236}">
-                <a16:creationId xmlns:a16="http://schemas.microsoft.com/office/drawing/2014/main" id="{AD7356EA-285B-4E5D-8FEC-104659A4FD2C}"/>
+                <a16:creationId xmlns:a16="http://schemas.microsoft.com/office/drawing/2014/main" xmlns="" id="{AD7356EA-285B-4E5D-8FEC-104659A4FD2C}"/>
               </a:ext>
               <a:ext uri="{C183D7F6-B498-43B3-948B-1728B52AA6E4}">
-                <adec:decorative xmlns:adec="http://schemas.microsoft.com/office/drawing/2017/decorative" val="1"/>
+                <adec:decorative xmlns:adec="http://schemas.microsoft.com/office/drawing/2017/decorative" xmlns="" val="1"/>
               </a:ext>
             </a:extLst>
           </p:cNvPr>
@@ -4638,7 +4670,7 @@
           <p:nvPr>
             <p:extLst>
               <p:ext uri="{386F3935-93C4-4BCD-93E2-E3B085C9AB24}">
-                <p16:designElem xmlns:p16="http://schemas.microsoft.com/office/powerpoint/2015/main" val="1"/>
+                <p16:designElem xmlns:p16="http://schemas.microsoft.com/office/powerpoint/2015/main" xmlns="" val="1"/>
               </p:ext>
             </p:extLst>
           </p:nvPr>
@@ -4699,7 +4731,7 @@
           <p:cNvPr id="4" name="Picture 4" descr="Chart, histogram&#10;&#10;Description automatically generated">
             <a:extLst>
               <a:ext uri="{FF2B5EF4-FFF2-40B4-BE49-F238E27FC236}">
-                <a16:creationId xmlns:a16="http://schemas.microsoft.com/office/drawing/2014/main" id="{66608545-3CAF-4C80-82DC-1CE6EAEF94D7}"/>
+                <a16:creationId xmlns:a16="http://schemas.microsoft.com/office/drawing/2014/main" xmlns="" id="{66608545-3CAF-4C80-82DC-1CE6EAEF94D7}"/>
               </a:ext>
             </a:extLst>
           </p:cNvPr>
@@ -4761,7 +4793,7 @@
           <p:cNvPr id="6" name="Title 5">
             <a:extLst>
               <a:ext uri="{FF2B5EF4-FFF2-40B4-BE49-F238E27FC236}">
-                <a16:creationId xmlns:a16="http://schemas.microsoft.com/office/drawing/2014/main" id="{6D2C70DD-FCF5-4FA7-A53C-3A6D986BE6D1}"/>
+                <a16:creationId xmlns:a16="http://schemas.microsoft.com/office/drawing/2014/main" xmlns="" id="{6D2C70DD-FCF5-4FA7-A53C-3A6D986BE6D1}"/>
               </a:ext>
             </a:extLst>
           </p:cNvPr>
@@ -4799,7 +4831,7 @@
           <p:cNvPr id="9" name="TextBox 8">
             <a:extLst>
               <a:ext uri="{FF2B5EF4-FFF2-40B4-BE49-F238E27FC236}">
-                <a16:creationId xmlns:a16="http://schemas.microsoft.com/office/drawing/2014/main" id="{E048EADC-F19F-4CCA-BC2C-34BC8BD8D87A}"/>
+                <a16:creationId xmlns:a16="http://schemas.microsoft.com/office/drawing/2014/main" xmlns="" id="{E048EADC-F19F-4CCA-BC2C-34BC8BD8D87A}"/>
               </a:ext>
             </a:extLst>
           </p:cNvPr>
